--- a/A comparative study of different features extracted from EIS in SoH for LIB/A comparative study of different features extracted from EIS in SoH for LIB-V00.01-241106.pptx
+++ b/A comparative study of different features extracted from EIS in SoH for LIB/A comparative study of different features extracted from EIS in SoH for LIB-V00.01-241106.pptx
@@ -274,7 +274,7 @@
           <a:p>
             <a:fld id="{D829F234-20F8-45D3-A094-E399EA9B6EDE}" type="datetimeFigureOut">
               <a:rPr lang="ko-KR" altLang="en-US" smtClean="0"/>
-              <a:t>2024-11-06</a:t>
+              <a:t>2024-11-11</a:t>
             </a:fld>
             <a:endParaRPr lang="ko-KR" altLang="en-US"/>
           </a:p>
@@ -20762,20 +20762,6 @@
             </a:r>
             <a:endParaRPr lang="en-US" altLang="ko-KR" dirty="0"/>
           </a:p>
-          <a:p>
-            <a:r>
-              <a:rPr lang="ko-KR" altLang="en-US" dirty="0"/>
-              <a:t>차량 운영 중 </a:t>
-            </a:r>
-            <a:r>
-              <a:rPr lang="en-US" altLang="ko-KR" dirty="0"/>
-              <a:t>SoH</a:t>
-            </a:r>
-            <a:r>
-              <a:rPr lang="ko-KR" altLang="en-US" dirty="0"/>
-              <a:t>를 직접 측정하는 것은 쉽지 않기 때문에 배터리 건강 상태 추정에 대한 연구가 활발하게 진행</a:t>
-            </a:r>
-          </a:p>
         </p:txBody>
       </p:sp>
       <p:sp>
